--- a/slides/least-squares.pptx
+++ b/slides/least-squares.pptx
@@ -113,6 +113,11 @@
       </a:defRPr>
     </a:lvl9pPr>
   </p:defaultTextStyle>
+  <p:extLst>
+    <p:ext uri="{EFAFB233-063F-42B5-8137-9DF3F51BA10A}">
+      <p15:sldGuideLst xmlns:p15="http://schemas.microsoft.com/office/powerpoint/2012/main"/>
+    </p:ext>
+  </p:extLst>
 </p:presentation>
 </file>
 
@@ -247,7 +252,7 @@
           <a:p>
             <a:fld id="{50249918-63CA-47A2-A5DF-E7D471221553}" type="datetimeFigureOut">
               <a:rPr lang="en-US" smtClean="0"/>
-              <a:t>5/1/2016</a:t>
+              <a:t>7/11/2016</a:t>
             </a:fld>
             <a:endParaRPr lang="en-US"/>
           </a:p>
@@ -417,7 +422,7 @@
           <a:p>
             <a:fld id="{50249918-63CA-47A2-A5DF-E7D471221553}" type="datetimeFigureOut">
               <a:rPr lang="en-US" smtClean="0"/>
-              <a:t>5/2/2016</a:t>
+              <a:t>7/11/2016</a:t>
             </a:fld>
             <a:endParaRPr lang="en-US"/>
           </a:p>
@@ -597,7 +602,7 @@
           <a:p>
             <a:fld id="{50249918-63CA-47A2-A5DF-E7D471221553}" type="datetimeFigureOut">
               <a:rPr lang="en-US" smtClean="0"/>
-              <a:t>5/2/2016</a:t>
+              <a:t>7/11/2016</a:t>
             </a:fld>
             <a:endParaRPr lang="en-US"/>
           </a:p>
@@ -767,7 +772,7 @@
           <a:p>
             <a:fld id="{50249918-63CA-47A2-A5DF-E7D471221553}" type="datetimeFigureOut">
               <a:rPr lang="en-US" smtClean="0"/>
-              <a:t>5/2/2016</a:t>
+              <a:t>7/11/2016</a:t>
             </a:fld>
             <a:endParaRPr lang="en-US"/>
           </a:p>
@@ -1011,7 +1016,7 @@
           <a:p>
             <a:fld id="{50249918-63CA-47A2-A5DF-E7D471221553}" type="datetimeFigureOut">
               <a:rPr lang="en-US" smtClean="0"/>
-              <a:t>5/2/2016</a:t>
+              <a:t>7/11/2016</a:t>
             </a:fld>
             <a:endParaRPr lang="en-US"/>
           </a:p>
@@ -1243,7 +1248,7 @@
           <a:p>
             <a:fld id="{50249918-63CA-47A2-A5DF-E7D471221553}" type="datetimeFigureOut">
               <a:rPr lang="en-US" smtClean="0"/>
-              <a:t>5/2/2016</a:t>
+              <a:t>7/11/2016</a:t>
             </a:fld>
             <a:endParaRPr lang="en-US"/>
           </a:p>
@@ -1610,7 +1615,7 @@
           <a:p>
             <a:fld id="{50249918-63CA-47A2-A5DF-E7D471221553}" type="datetimeFigureOut">
               <a:rPr lang="en-US" smtClean="0"/>
-              <a:t>5/2/2016</a:t>
+              <a:t>7/11/2016</a:t>
             </a:fld>
             <a:endParaRPr lang="en-US"/>
           </a:p>
@@ -1728,7 +1733,7 @@
           <a:p>
             <a:fld id="{50249918-63CA-47A2-A5DF-E7D471221553}" type="datetimeFigureOut">
               <a:rPr lang="en-US" smtClean="0"/>
-              <a:t>5/2/2016</a:t>
+              <a:t>7/11/2016</a:t>
             </a:fld>
             <a:endParaRPr lang="en-US"/>
           </a:p>
@@ -1823,7 +1828,7 @@
           <a:p>
             <a:fld id="{50249918-63CA-47A2-A5DF-E7D471221553}" type="datetimeFigureOut">
               <a:rPr lang="en-US" smtClean="0"/>
-              <a:t>5/2/2016</a:t>
+              <a:t>7/11/2016</a:t>
             </a:fld>
             <a:endParaRPr lang="en-US"/>
           </a:p>
@@ -2100,7 +2105,7 @@
           <a:p>
             <a:fld id="{50249918-63CA-47A2-A5DF-E7D471221553}" type="datetimeFigureOut">
               <a:rPr lang="en-US" smtClean="0"/>
-              <a:t>5/2/2016</a:t>
+              <a:t>7/11/2016</a:t>
             </a:fld>
             <a:endParaRPr lang="en-US"/>
           </a:p>
@@ -2357,7 +2362,7 @@
           <a:p>
             <a:fld id="{50249918-63CA-47A2-A5DF-E7D471221553}" type="datetimeFigureOut">
               <a:rPr lang="en-US" smtClean="0"/>
-              <a:t>5/2/2016</a:t>
+              <a:t>7/11/2016</a:t>
             </a:fld>
             <a:endParaRPr lang="en-US"/>
           </a:p>
@@ -2570,7 +2575,7 @@
           <a:p>
             <a:fld id="{50249918-63CA-47A2-A5DF-E7D471221553}" type="datetimeFigureOut">
               <a:rPr lang="en-US" smtClean="0"/>
-              <a:t>5/1/2016</a:t>
+              <a:t>7/11/2016</a:t>
             </a:fld>
             <a:endParaRPr lang="en-US"/>
           </a:p>
@@ -3014,14 +3019,12 @@
           <a:lstStyle/>
           <a:p>
             <a:r>
+              <a:rPr lang="en-US" smtClean="0"/>
+              <a:t>Signal </a:t>
+            </a:r>
+            <a:r>
               <a:rPr lang="en-US" dirty="0" smtClean="0"/>
-              <a:t>Andrew Ho</a:t>
-            </a:r>
-          </a:p>
-          <a:p>
-            <a:r>
-              <a:rPr lang="en-US" dirty="0" smtClean="0"/>
-              <a:t>Signal Data Science</a:t>
+              <a:t>Data Science</a:t>
             </a:r>
             <a:endParaRPr lang="en-US" dirty="0"/>
           </a:p>
@@ -3710,11 +3713,11 @@
   <p:clrMapOvr>
     <a:masterClrMapping/>
   </p:clrMapOvr>
-  <mc:AlternateContent xmlns:mc="http://schemas.openxmlformats.org/markup-compatibility/2006">
-    <mc:Choice xmlns:p14="http://schemas.microsoft.com/office/powerpoint/2010/main" Requires="p14">
+  <mc:AlternateContent xmlns:mc="http://schemas.openxmlformats.org/markup-compatibility/2006" xmlns:p14="http://schemas.microsoft.com/office/powerpoint/2010/main">
+    <mc:Choice Requires="p14">
       <p:transition spd="slow" p14:dur="2000"/>
     </mc:Choice>
-    <mc:Fallback>
+    <mc:Fallback xmlns="">
       <p:transition spd="slow"/>
     </mc:Fallback>
   </mc:AlternateContent>
